--- a/ppt.pptx
+++ b/ppt.pptx
@@ -3586,10 +3586,20 @@
         </p:nvSpPr>
         <p:spPr/>
         <p:txBody>
-          <a:bodyPr/>
-          <a:lstStyle/>
-          <a:p>
-            <a:endParaRPr lang="zh-TW" altLang="en-US" dirty="0"/>
+          <a:bodyPr>
+            <a:normAutofit/>
+          </a:bodyPr>
+          <a:lstStyle/>
+          <a:p>
+            <a:r>
+              <a:rPr lang="zh-TW" altLang="en-US" sz="5400" dirty="0" smtClean="0"/>
+              <a:t>如果網球遇見問答</a:t>
+            </a:r>
+            <a:r>
+              <a:rPr lang="en-US" altLang="zh-TW" sz="5400" dirty="0" smtClean="0"/>
+              <a:t>RPG?!</a:t>
+            </a:r>
+            <a:endParaRPr lang="zh-TW" altLang="en-US" sz="5400" dirty="0"/>
           </a:p>
         </p:txBody>
       </p:sp>
@@ -3618,11 +3628,7 @@
             </a:r>
             <a:r>
               <a:rPr lang="zh-TW" altLang="en-US" dirty="0" smtClean="0"/>
-              <a:t> </a:t>
-            </a:r>
-            <a:r>
-              <a:rPr lang="zh-TW" altLang="en-US" dirty="0" smtClean="0"/>
-              <a:t>    </a:t>
+              <a:t>     </a:t>
             </a:r>
             <a:r>
               <a:rPr lang="en-US" altLang="zh-TW" dirty="0" smtClean="0"/>
@@ -3630,15 +3636,7 @@
             </a:r>
             <a:r>
               <a:rPr lang="zh-TW" altLang="en-US" dirty="0" smtClean="0"/>
-              <a:t> </a:t>
-            </a:r>
-            <a:r>
-              <a:rPr lang="zh-TW" altLang="en-US" dirty="0" smtClean="0"/>
-              <a:t>羅</a:t>
-            </a:r>
-            <a:r>
-              <a:rPr lang="zh-TW" altLang="en-US" dirty="0" smtClean="0"/>
-              <a:t>世杰</a:t>
+              <a:t> 羅世杰</a:t>
             </a:r>
             <a:endParaRPr lang="en-US" altLang="zh-TW" dirty="0" smtClean="0"/>
           </a:p>
@@ -4314,19 +4312,7 @@
             </a:r>
             <a:r>
               <a:rPr lang="zh-TW" altLang="en-US" smtClean="0"/>
-              <a:t> </a:t>
-            </a:r>
-            <a:r>
-              <a:rPr lang="zh-TW" altLang="en-US" smtClean="0"/>
-              <a:t>羅</a:t>
-            </a:r>
-            <a:r>
-              <a:rPr lang="zh-TW" altLang="en-US" smtClean="0"/>
-              <a:t>世</a:t>
-            </a:r>
-            <a:r>
-              <a:rPr lang="zh-TW" altLang="en-US" smtClean="0"/>
-              <a:t>杰 的工作</a:t>
+              <a:t> 羅世杰 的工作</a:t>
             </a:r>
             <a:r>
               <a:rPr lang="en-US" altLang="zh-TW" smtClean="0"/>
@@ -4399,11 +4385,7 @@
             </a:r>
             <a:r>
               <a:rPr lang="zh-TW" altLang="en-US" dirty="0" smtClean="0"/>
-              <a:t> 彭冠</a:t>
-            </a:r>
-            <a:r>
-              <a:rPr lang="zh-TW" altLang="en-US" dirty="0" smtClean="0"/>
-              <a:t>傑 的工作</a:t>
+              <a:t> 彭冠傑 的工作</a:t>
             </a:r>
             <a:r>
               <a:rPr lang="en-US" altLang="zh-TW" dirty="0" smtClean="0"/>

--- a/ppt.pptx
+++ b/ppt.pptx
@@ -3586,20 +3586,10 @@
         </p:nvSpPr>
         <p:spPr/>
         <p:txBody>
-          <a:bodyPr>
-            <a:normAutofit/>
-          </a:bodyPr>
-          <a:lstStyle/>
-          <a:p>
-            <a:r>
-              <a:rPr lang="zh-TW" altLang="en-US" sz="5400" dirty="0" smtClean="0"/>
-              <a:t>如果網球遇見問答</a:t>
-            </a:r>
-            <a:r>
-              <a:rPr lang="en-US" altLang="zh-TW" sz="5400" dirty="0" smtClean="0"/>
-              <a:t>RPG?!</a:t>
-            </a:r>
-            <a:endParaRPr lang="zh-TW" altLang="en-US" sz="5400" dirty="0"/>
+          <a:bodyPr/>
+          <a:lstStyle/>
+          <a:p>
+            <a:endParaRPr lang="zh-TW" altLang="en-US" dirty="0"/>
           </a:p>
         </p:txBody>
       </p:sp>
@@ -3628,7 +3618,11 @@
             </a:r>
             <a:r>
               <a:rPr lang="zh-TW" altLang="en-US" dirty="0" smtClean="0"/>
-              <a:t>     </a:t>
+              <a:t> </a:t>
+            </a:r>
+            <a:r>
+              <a:rPr lang="zh-TW" altLang="en-US" dirty="0" smtClean="0"/>
+              <a:t>    </a:t>
             </a:r>
             <a:r>
               <a:rPr lang="en-US" altLang="zh-TW" dirty="0" smtClean="0"/>
@@ -3636,7 +3630,15 @@
             </a:r>
             <a:r>
               <a:rPr lang="zh-TW" altLang="en-US" dirty="0" smtClean="0"/>
-              <a:t> 羅世杰</a:t>
+              <a:t> </a:t>
+            </a:r>
+            <a:r>
+              <a:rPr lang="zh-TW" altLang="en-US" dirty="0" smtClean="0"/>
+              <a:t>羅</a:t>
+            </a:r>
+            <a:r>
+              <a:rPr lang="zh-TW" altLang="en-US" dirty="0" smtClean="0"/>
+              <a:t>世杰</a:t>
             </a:r>
             <a:endParaRPr lang="en-US" altLang="zh-TW" dirty="0" smtClean="0"/>
           </a:p>
@@ -4312,7 +4314,19 @@
             </a:r>
             <a:r>
               <a:rPr lang="zh-TW" altLang="en-US" smtClean="0"/>
-              <a:t> 羅世杰 的工作</a:t>
+              <a:t> </a:t>
+            </a:r>
+            <a:r>
+              <a:rPr lang="zh-TW" altLang="en-US" smtClean="0"/>
+              <a:t>羅</a:t>
+            </a:r>
+            <a:r>
+              <a:rPr lang="zh-TW" altLang="en-US" smtClean="0"/>
+              <a:t>世</a:t>
+            </a:r>
+            <a:r>
+              <a:rPr lang="zh-TW" altLang="en-US" smtClean="0"/>
+              <a:t>杰 的工作</a:t>
             </a:r>
             <a:r>
               <a:rPr lang="en-US" altLang="zh-TW" smtClean="0"/>
@@ -4385,7 +4399,11 @@
             </a:r>
             <a:r>
               <a:rPr lang="zh-TW" altLang="en-US" dirty="0" smtClean="0"/>
-              <a:t> 彭冠傑 的工作</a:t>
+              <a:t> 彭冠</a:t>
+            </a:r>
+            <a:r>
+              <a:rPr lang="zh-TW" altLang="en-US" dirty="0" smtClean="0"/>
+              <a:t>傑 的工作</a:t>
             </a:r>
             <a:r>
               <a:rPr lang="en-US" altLang="zh-TW" dirty="0" smtClean="0"/>

--- a/ppt.pptx
+++ b/ppt.pptx
@@ -258,7 +258,7 @@
           <a:p>
             <a:fld id="{48A87A34-81AB-432B-8DAE-1953F412C126}" type="datetimeFigureOut">
               <a:rPr lang="en-US" dirty="0"/>
-              <a:t>6/16/2016</a:t>
+              <a:t>6/17/2016</a:t>
             </a:fld>
             <a:endParaRPr lang="en-US" dirty="0"/>
           </a:p>
@@ -464,7 +464,7 @@
           <a:p>
             <a:fld id="{48A87A34-81AB-432B-8DAE-1953F412C126}" type="datetimeFigureOut">
               <a:rPr lang="en-US" dirty="0"/>
-              <a:t>6/16/2016</a:t>
+              <a:t>6/17/2016</a:t>
             </a:fld>
             <a:endParaRPr lang="en-US" dirty="0"/>
           </a:p>
@@ -674,7 +674,7 @@
           <a:p>
             <a:fld id="{48A87A34-81AB-432B-8DAE-1953F412C126}" type="datetimeFigureOut">
               <a:rPr lang="en-US" dirty="0"/>
-              <a:t>6/16/2016</a:t>
+              <a:t>6/17/2016</a:t>
             </a:fld>
             <a:endParaRPr lang="en-US" dirty="0"/>
           </a:p>
@@ -870,7 +870,7 @@
           <a:p>
             <a:fld id="{48A87A34-81AB-432B-8DAE-1953F412C126}" type="datetimeFigureOut">
               <a:rPr lang="en-US" dirty="0"/>
-              <a:t>6/16/2016</a:t>
+              <a:t>6/17/2016</a:t>
             </a:fld>
             <a:endParaRPr lang="en-US" dirty="0"/>
           </a:p>
@@ -1144,7 +1144,7 @@
           <a:p>
             <a:fld id="{48A87A34-81AB-432B-8DAE-1953F412C126}" type="datetimeFigureOut">
               <a:rPr lang="en-US" dirty="0"/>
-              <a:t>6/16/2016</a:t>
+              <a:t>6/17/2016</a:t>
             </a:fld>
             <a:endParaRPr lang="en-US" dirty="0"/>
           </a:p>
@@ -1407,7 +1407,7 @@
           <a:p>
             <a:fld id="{48A87A34-81AB-432B-8DAE-1953F412C126}" type="datetimeFigureOut">
               <a:rPr lang="en-US" dirty="0"/>
-              <a:t>6/16/2016</a:t>
+              <a:t>6/17/2016</a:t>
             </a:fld>
             <a:endParaRPr lang="en-US" dirty="0"/>
           </a:p>
@@ -1818,7 +1818,7 @@
           <a:p>
             <a:fld id="{48A87A34-81AB-432B-8DAE-1953F412C126}" type="datetimeFigureOut">
               <a:rPr lang="en-US" dirty="0"/>
-              <a:t>6/16/2016</a:t>
+              <a:t>6/17/2016</a:t>
             </a:fld>
             <a:endParaRPr lang="en-US" dirty="0"/>
           </a:p>
@@ -1962,7 +1962,7 @@
           <a:p>
             <a:fld id="{48A87A34-81AB-432B-8DAE-1953F412C126}" type="datetimeFigureOut">
               <a:rPr lang="en-US" dirty="0"/>
-              <a:t>6/16/2016</a:t>
+              <a:t>6/17/2016</a:t>
             </a:fld>
             <a:endParaRPr lang="en-US" dirty="0"/>
           </a:p>
@@ -2083,7 +2083,7 @@
           <a:p>
             <a:fld id="{48A87A34-81AB-432B-8DAE-1953F412C126}" type="datetimeFigureOut">
               <a:rPr lang="en-US" dirty="0"/>
-              <a:t>6/16/2016</a:t>
+              <a:t>6/17/2016</a:t>
             </a:fld>
             <a:endParaRPr lang="en-US" dirty="0"/>
           </a:p>
@@ -2329,7 +2329,7 @@
           <a:p>
             <a:fld id="{48A87A34-81AB-432B-8DAE-1953F412C126}" type="datetimeFigureOut">
               <a:rPr lang="en-US" dirty="0"/>
-              <a:t>6/16/2016</a:t>
+              <a:t>6/17/2016</a:t>
             </a:fld>
             <a:endParaRPr lang="en-US" dirty="0"/>
           </a:p>
@@ -2770,7 +2770,7 @@
             <a:fld id="{48A87A34-81AB-432B-8DAE-1953F412C126}" type="datetimeFigureOut">
               <a:rPr lang="en-US" dirty="0"/>
               <a:pPr/>
-              <a:t>6/16/2016</a:t>
+              <a:t>6/17/2016</a:t>
             </a:fld>
             <a:endParaRPr lang="en-US" dirty="0"/>
           </a:p>
@@ -3092,7 +3092,7 @@
             <a:fld id="{48A87A34-81AB-432B-8DAE-1953F412C126}" type="datetimeFigureOut">
               <a:rPr lang="en-US" dirty="0"/>
               <a:pPr/>
-              <a:t>6/16/2016</a:t>
+              <a:t>6/17/2016</a:t>
             </a:fld>
             <a:endParaRPr lang="en-US" dirty="0"/>
           </a:p>
@@ -3586,10 +3586,20 @@
         </p:nvSpPr>
         <p:spPr/>
         <p:txBody>
-          <a:bodyPr/>
-          <a:lstStyle/>
-          <a:p>
-            <a:endParaRPr lang="zh-TW" altLang="en-US" dirty="0"/>
+          <a:bodyPr>
+            <a:normAutofit/>
+          </a:bodyPr>
+          <a:lstStyle/>
+          <a:p>
+            <a:r>
+              <a:rPr lang="zh-TW" altLang="en-US" sz="5400" dirty="0" smtClean="0"/>
+              <a:t>如果網球遇見問答</a:t>
+            </a:r>
+            <a:r>
+              <a:rPr lang="en-US" altLang="zh-TW" sz="5400" dirty="0" smtClean="0"/>
+              <a:t>RPG?!</a:t>
+            </a:r>
+            <a:endParaRPr lang="zh-TW" altLang="en-US" sz="5400" dirty="0"/>
           </a:p>
         </p:txBody>
       </p:sp>
@@ -3618,11 +3628,7 @@
             </a:r>
             <a:r>
               <a:rPr lang="zh-TW" altLang="en-US" dirty="0" smtClean="0"/>
-              <a:t> </a:t>
-            </a:r>
-            <a:r>
-              <a:rPr lang="zh-TW" altLang="en-US" dirty="0" smtClean="0"/>
-              <a:t>    </a:t>
+              <a:t>     </a:t>
             </a:r>
             <a:r>
               <a:rPr lang="en-US" altLang="zh-TW" dirty="0" smtClean="0"/>
@@ -3630,15 +3636,7 @@
             </a:r>
             <a:r>
               <a:rPr lang="zh-TW" altLang="en-US" dirty="0" smtClean="0"/>
-              <a:t> </a:t>
-            </a:r>
-            <a:r>
-              <a:rPr lang="zh-TW" altLang="en-US" dirty="0" smtClean="0"/>
-              <a:t>羅</a:t>
-            </a:r>
-            <a:r>
-              <a:rPr lang="zh-TW" altLang="en-US" dirty="0" smtClean="0"/>
-              <a:t>世杰</a:t>
+              <a:t> 羅世杰</a:t>
             </a:r>
             <a:endParaRPr lang="en-US" altLang="zh-TW" dirty="0" smtClean="0"/>
           </a:p>
@@ -4305,7 +4303,9 @@
         </p:nvSpPr>
         <p:spPr/>
         <p:txBody>
-          <a:bodyPr/>
+          <a:bodyPr>
+            <a:normAutofit/>
+          </a:bodyPr>
           <a:lstStyle/>
           <a:p>
             <a:r>
@@ -4313,26 +4313,13 @@
               <a:t>00357021</a:t>
             </a:r>
             <a:r>
-              <a:rPr lang="zh-TW" altLang="en-US" smtClean="0"/>
-              <a:t> </a:t>
-            </a:r>
-            <a:r>
-              <a:rPr lang="zh-TW" altLang="en-US" smtClean="0"/>
-              <a:t>羅</a:t>
-            </a:r>
-            <a:r>
-              <a:rPr lang="zh-TW" altLang="en-US" smtClean="0"/>
-              <a:t>世</a:t>
-            </a:r>
-            <a:r>
-              <a:rPr lang="zh-TW" altLang="en-US" smtClean="0"/>
-              <a:t>杰 的工作</a:t>
-            </a:r>
-            <a:r>
-              <a:rPr lang="en-US" altLang="zh-TW" smtClean="0"/>
+              <a:rPr lang="zh-TW" altLang="en-US" dirty="0" smtClean="0"/>
+              <a:t> 羅世杰 的工作</a:t>
+            </a:r>
+            <a:r>
+              <a:rPr lang="en-US" altLang="zh-TW" dirty="0" smtClean="0"/>
               <a:t>:</a:t>
             </a:r>
-            <a:endParaRPr lang="en-US" altLang="zh-TW" dirty="0" smtClean="0"/>
           </a:p>
           <a:p>
             <a:r>
@@ -4388,7 +4375,26 @@
             </a:r>
             <a:r>
               <a:rPr lang="zh-TW" altLang="en-US" dirty="0" smtClean="0"/>
-              <a:t>編寫</a:t>
+              <a:t>編</a:t>
+            </a:r>
+            <a:r>
+              <a:rPr lang="zh-TW" altLang="en-US" dirty="0" smtClean="0"/>
+              <a:t>寫</a:t>
+            </a:r>
+            <a:endParaRPr lang="en-US" altLang="zh-TW" dirty="0" smtClean="0"/>
+          </a:p>
+          <a:p>
+            <a:r>
+              <a:rPr lang="zh-TW" altLang="en-US" dirty="0" smtClean="0"/>
+              <a:t>問答</a:t>
+            </a:r>
+            <a:r>
+              <a:rPr lang="en-US" altLang="zh-TW" dirty="0" smtClean="0"/>
+              <a:t>RPG</a:t>
+            </a:r>
+            <a:r>
+              <a:rPr lang="zh-TW" altLang="en-US" smtClean="0"/>
+              <a:t>問題編寫</a:t>
             </a:r>
             <a:endParaRPr lang="en-US" altLang="zh-TW" dirty="0" smtClean="0"/>
           </a:p>
@@ -4399,11 +4405,7 @@
             </a:r>
             <a:r>
               <a:rPr lang="zh-TW" altLang="en-US" dirty="0" smtClean="0"/>
-              <a:t> 彭冠</a:t>
-            </a:r>
-            <a:r>
-              <a:rPr lang="zh-TW" altLang="en-US" dirty="0" smtClean="0"/>
-              <a:t>傑 的工作</a:t>
+              <a:t> 彭冠傑 的工作</a:t>
             </a:r>
             <a:r>
               <a:rPr lang="en-US" altLang="zh-TW" dirty="0" smtClean="0"/>

--- a/ppt.pptx
+++ b/ppt.pptx
@@ -3584,7 +3584,12 @@
             <p:ph type="ctrTitle"/>
           </p:nvPr>
         </p:nvSpPr>
-        <p:spPr/>
+        <p:spPr>
+          <a:xfrm>
+            <a:off x="2399929" y="785673"/>
+            <a:ext cx="8637073" cy="2541431"/>
+          </a:xfrm>
+        </p:spPr>
         <p:txBody>
           <a:bodyPr>
             <a:normAutofit/>
@@ -4304,7 +4309,7 @@
         <p:spPr/>
         <p:txBody>
           <a:bodyPr>
-            <a:normAutofit/>
+            <a:normAutofit fontScale="92500" lnSpcReduction="20000"/>
           </a:bodyPr>
           <a:lstStyle/>
           <a:p>
@@ -4375,11 +4380,7 @@
             </a:r>
             <a:r>
               <a:rPr lang="zh-TW" altLang="en-US" dirty="0" smtClean="0"/>
-              <a:t>編</a:t>
-            </a:r>
-            <a:r>
-              <a:rPr lang="zh-TW" altLang="en-US" dirty="0" smtClean="0"/>
-              <a:t>寫</a:t>
+              <a:t>編寫</a:t>
             </a:r>
             <a:endParaRPr lang="en-US" altLang="zh-TW" dirty="0" smtClean="0"/>
           </a:p>
@@ -4393,8 +4394,15 @@
               <a:t>RPG</a:t>
             </a:r>
             <a:r>
-              <a:rPr lang="zh-TW" altLang="en-US" smtClean="0"/>
+              <a:rPr lang="zh-TW" altLang="en-US" dirty="0" smtClean="0"/>
               <a:t>問題編寫</a:t>
+            </a:r>
+            <a:endParaRPr lang="en-US" altLang="zh-TW" smtClean="0"/>
+          </a:p>
+          <a:p>
+            <a:r>
+              <a:rPr lang="zh-TW" altLang="en-US" smtClean="0"/>
+              <a:t>把完成的作品架到海大雲端</a:t>
             </a:r>
             <a:endParaRPr lang="en-US" altLang="zh-TW" dirty="0" smtClean="0"/>
           </a:p>
